--- a/ДОКУМЕНТЫ/МАТЕРИАЛ СТАТЬИ/Quantum TWTT.pptx
+++ b/ДОКУМЕНТЫ/МАТЕРИАЛ СТАТЬИ/Quantum TWTT.pptx
@@ -282,7 +282,7 @@
           <a:p>
             <a:fld id="{1D8BD707-D9CF-40AE-B4C6-C98DA3205C09}" type="datetimeFigureOut">
               <a:rPr lang="en-US" smtClean="0"/>
-              <a:t>7/12/2025</a:t>
+              <a:t>7/28/2025</a:t>
             </a:fld>
             <a:endParaRPr lang="en-US"/>
           </a:p>
@@ -480,7 +480,7 @@
           <a:p>
             <a:fld id="{1D8BD707-D9CF-40AE-B4C6-C98DA3205C09}" type="datetimeFigureOut">
               <a:rPr lang="en-US" smtClean="0"/>
-              <a:t>7/12/2025</a:t>
+              <a:t>7/28/2025</a:t>
             </a:fld>
             <a:endParaRPr lang="en-US"/>
           </a:p>
@@ -688,7 +688,7 @@
           <a:p>
             <a:fld id="{1D8BD707-D9CF-40AE-B4C6-C98DA3205C09}" type="datetimeFigureOut">
               <a:rPr lang="en-US" smtClean="0"/>
-              <a:t>7/12/2025</a:t>
+              <a:t>7/28/2025</a:t>
             </a:fld>
             <a:endParaRPr lang="en-US"/>
           </a:p>
@@ -886,7 +886,7 @@
           <a:p>
             <a:fld id="{1D8BD707-D9CF-40AE-B4C6-C98DA3205C09}" type="datetimeFigureOut">
               <a:rPr lang="en-US" smtClean="0"/>
-              <a:t>7/12/2025</a:t>
+              <a:t>7/28/2025</a:t>
             </a:fld>
             <a:endParaRPr lang="en-US"/>
           </a:p>
@@ -1161,7 +1161,7 @@
           <a:p>
             <a:fld id="{1D8BD707-D9CF-40AE-B4C6-C98DA3205C09}" type="datetimeFigureOut">
               <a:rPr lang="en-US" smtClean="0"/>
-              <a:t>7/12/2025</a:t>
+              <a:t>7/28/2025</a:t>
             </a:fld>
             <a:endParaRPr lang="en-US"/>
           </a:p>
@@ -1426,7 +1426,7 @@
           <a:p>
             <a:fld id="{1D8BD707-D9CF-40AE-B4C6-C98DA3205C09}" type="datetimeFigureOut">
               <a:rPr lang="en-US" smtClean="0"/>
-              <a:t>7/12/2025</a:t>
+              <a:t>7/28/2025</a:t>
             </a:fld>
             <a:endParaRPr lang="en-US"/>
           </a:p>
@@ -1838,7 +1838,7 @@
           <a:p>
             <a:fld id="{1D8BD707-D9CF-40AE-B4C6-C98DA3205C09}" type="datetimeFigureOut">
               <a:rPr lang="en-US" smtClean="0"/>
-              <a:t>7/12/2025</a:t>
+              <a:t>7/28/2025</a:t>
             </a:fld>
             <a:endParaRPr lang="en-US"/>
           </a:p>
@@ -1979,7 +1979,7 @@
           <a:p>
             <a:fld id="{1D8BD707-D9CF-40AE-B4C6-C98DA3205C09}" type="datetimeFigureOut">
               <a:rPr lang="en-US" smtClean="0"/>
-              <a:t>7/12/2025</a:t>
+              <a:t>7/28/2025</a:t>
             </a:fld>
             <a:endParaRPr lang="en-US"/>
           </a:p>
@@ -2092,7 +2092,7 @@
           <a:p>
             <a:fld id="{1D8BD707-D9CF-40AE-B4C6-C98DA3205C09}" type="datetimeFigureOut">
               <a:rPr lang="en-US" smtClean="0"/>
-              <a:t>7/12/2025</a:t>
+              <a:t>7/28/2025</a:t>
             </a:fld>
             <a:endParaRPr lang="en-US"/>
           </a:p>
@@ -2403,7 +2403,7 @@
           <a:p>
             <a:fld id="{1D8BD707-D9CF-40AE-B4C6-C98DA3205C09}" type="datetimeFigureOut">
               <a:rPr lang="en-US" smtClean="0"/>
-              <a:t>7/12/2025</a:t>
+              <a:t>7/28/2025</a:t>
             </a:fld>
             <a:endParaRPr lang="en-US"/>
           </a:p>
@@ -2691,7 +2691,7 @@
           <a:p>
             <a:fld id="{1D8BD707-D9CF-40AE-B4C6-C98DA3205C09}" type="datetimeFigureOut">
               <a:rPr lang="en-US" smtClean="0"/>
-              <a:t>7/12/2025</a:t>
+              <a:t>7/28/2025</a:t>
             </a:fld>
             <a:endParaRPr lang="en-US"/>
           </a:p>
@@ -2932,7 +2932,7 @@
           <a:p>
             <a:fld id="{1D8BD707-D9CF-40AE-B4C6-C98DA3205C09}" type="datetimeFigureOut">
               <a:rPr lang="en-US" smtClean="0"/>
-              <a:t>7/12/2025</a:t>
+              <a:t>7/28/2025</a:t>
             </a:fld>
             <a:endParaRPr lang="en-US"/>
           </a:p>
@@ -3483,7 +3483,7 @@
         </p:nvSpPr>
         <p:spPr>
           <a:xfrm>
-            <a:off x="3505200" y="1758375"/>
+            <a:off x="3276600" y="1809750"/>
             <a:ext cx="3124200" cy="584775"/>
           </a:xfrm>
           <a:prstGeom prst="rect">
@@ -6836,7 +6836,7 @@
         </p:blipFill>
         <p:spPr>
           <a:xfrm>
-            <a:off x="2743200" y="2350551"/>
+            <a:off x="2743200" y="2266950"/>
             <a:ext cx="4100512" cy="2413512"/>
           </a:xfrm>
           <a:prstGeom prst="rect">
@@ -7060,7 +7060,7 @@
         </p:nvSpPr>
         <p:spPr>
           <a:xfrm>
-            <a:off x="685800" y="295278"/>
+            <a:off x="2133600" y="394471"/>
             <a:ext cx="5715000" cy="524503"/>
           </a:xfrm>
           <a:prstGeom prst="rect">
@@ -7311,7 +7311,7 @@
                 <a:latin typeface="Calibri"/>
                 <a:cs typeface="Calibri"/>
               </a:rPr>
-              <a:t>Произвольно регулируемая выходная частота, от PP2S до 1 ГГц</a:t>
+              <a:t>Произвольно регулируемая выходная частота, от PPS до 1 ГГц</a:t>
             </a:r>
             <a:endParaRPr sz="1550" dirty="0">
               <a:latin typeface="Calibri"/>
@@ -7437,7 +7437,7 @@
         </p:nvSpPr>
         <p:spPr>
           <a:xfrm>
-            <a:off x="685800" y="201933"/>
+            <a:off x="1066800" y="320001"/>
             <a:ext cx="7540625" cy="324448"/>
           </a:xfrm>
           <a:prstGeom prst="rect">
@@ -7475,7 +7475,7 @@
         <p:spPr>
           <a:xfrm>
             <a:off x="319298" y="811118"/>
-            <a:ext cx="4252702" cy="3187411"/>
+            <a:ext cx="4252702" cy="2907847"/>
           </a:xfrm>
           <a:prstGeom prst="rect">
             <a:avLst/>
@@ -7555,7 +7555,37 @@
                 <a:latin typeface="+mj-lt"/>
                 <a:cs typeface="Calibri"/>
               </a:rPr>
-              <a:t>Самый дешевый способ передачи данных – USB/Ethernet</a:t>
+              <a:t>Самый дешевый способ передачи данных – USB/Ethernet (</a:t>
+            </a:r>
+            <a:r>
+              <a:rPr lang="en-GB" sz="1400" dirty="0">
+                <a:solidFill>
+                  <a:srgbClr val="00576F"/>
+                </a:solidFill>
+                <a:latin typeface="+mj-lt"/>
+                <a:cs typeface="Calibri"/>
+              </a:rPr>
+              <a:t>Quantum-</a:t>
+            </a:r>
+            <a:r>
+              <a:rPr lang="en-GB" sz="1400" dirty="0" err="1">
+                <a:solidFill>
+                  <a:srgbClr val="00576F"/>
+                </a:solidFill>
+                <a:latin typeface="+mj-lt"/>
+                <a:cs typeface="Calibri"/>
+              </a:rPr>
+              <a:t>TimeStick</a:t>
+            </a:r>
+            <a:r>
+              <a:rPr lang="ru-RU" sz="1400" dirty="0">
+                <a:solidFill>
+                  <a:srgbClr val="00576F"/>
+                </a:solidFill>
+                <a:latin typeface="+mj-lt"/>
+                <a:cs typeface="Calibri"/>
+              </a:rPr>
+              <a:t>)</a:t>
             </a:r>
           </a:p>
           <a:p>
@@ -7594,6 +7624,16 @@
               <a:t>субнаносекунд</a:t>
             </a:r>
             <a:r>
+              <a:rPr lang="en-US" sz="1400" dirty="0">
+                <a:solidFill>
+                  <a:srgbClr val="00576F"/>
+                </a:solidFill>
+                <a:latin typeface="+mj-lt"/>
+                <a:cs typeface="Calibri"/>
+              </a:rPr>
+              <a:t>s </a:t>
+            </a:r>
+            <a:r>
               <a:rPr lang="ru-RU" sz="1400" dirty="0">
                 <a:solidFill>
                   <a:srgbClr val="00576F"/>
@@ -7601,7 +7641,7 @@
                 <a:latin typeface="+mj-lt"/>
                 <a:cs typeface="Calibri"/>
               </a:rPr>
-              <a:t> – это  White </a:t>
+              <a:t>– это  White </a:t>
             </a:r>
             <a:r>
               <a:rPr lang="ru-RU" sz="1400" dirty="0" err="1">
@@ -7645,32 +7685,6 @@
                 <a:cs typeface="Calibri"/>
               </a:rPr>
               <a:t>Основано на дорогих ПЛИС с приемопередатчиками </a:t>
-            </a:r>
-          </a:p>
-          <a:p>
-            <a:pPr marL="184785" indent="-172085">
-              <a:lnSpc>
-                <a:spcPct val="100000"/>
-              </a:lnSpc>
-              <a:spcBef>
-                <a:spcPts val="515"/>
-              </a:spcBef>
-              <a:buSzPct val="89285"/>
-              <a:buFont typeface="Arial MT"/>
-              <a:buChar char="•"/>
-              <a:tabLst>
-                <a:tab pos="184785" algn="l"/>
-              </a:tabLst>
-            </a:pPr>
-            <a:r>
-              <a:rPr lang="ru-RU" sz="1400" dirty="0">
-                <a:solidFill>
-                  <a:srgbClr val="00576F"/>
-                </a:solidFill>
-                <a:latin typeface="+mj-lt"/>
-                <a:cs typeface="Calibri"/>
-              </a:rPr>
-              <a:t>В основном 1G Ethernet, недавно был выпущен 10G</a:t>
             </a:r>
           </a:p>
           <a:p>
@@ -7823,17 +7837,7 @@
                 <a:latin typeface="+mj-lt"/>
                 <a:cs typeface="Calibri"/>
               </a:rPr>
-              <a:t>суб</a:t>
-            </a:r>
-            <a:r>
-              <a:rPr lang="en-US" sz="1600" dirty="0">
-                <a:solidFill>
-                  <a:srgbClr val="00576F"/>
-                </a:solidFill>
-                <a:latin typeface="+mj-lt"/>
-                <a:cs typeface="Calibri"/>
-              </a:rPr>
-              <a:t>-</a:t>
+              <a:t>субнаносекундного</a:t>
             </a:r>
             <a:r>
               <a:rPr lang="ru-RU" sz="1600" dirty="0">
@@ -7843,7 +7847,7 @@
                 <a:latin typeface="+mj-lt"/>
                 <a:cs typeface="Calibri"/>
               </a:rPr>
-              <a:t>наносекундного времени, нужно более дешевое и простое решение</a:t>
+              <a:t> времени, нужно более дешевое и простое решение</a:t>
             </a:r>
           </a:p>
         </p:txBody>
@@ -8123,92 +8127,6 @@
           </a:prstGeom>
         </p:spPr>
       </p:pic>
-      <p:sp>
-        <p:nvSpPr>
-          <p:cNvPr id="6" name="object 6"/>
-          <p:cNvSpPr txBox="1"/>
-          <p:nvPr/>
-        </p:nvSpPr>
-        <p:spPr>
-          <a:xfrm>
-            <a:off x="5486400" y="4517415"/>
-            <a:ext cx="2580005" cy="300355"/>
-          </a:xfrm>
-          <a:prstGeom prst="rect">
-            <a:avLst/>
-          </a:prstGeom>
-        </p:spPr>
-        <p:txBody>
-          <a:bodyPr vert="horz" wrap="square" lIns="0" tIns="12700" rIns="0" bIns="0" rtlCol="0">
-            <a:spAutoFit/>
-          </a:bodyPr>
-          <a:lstStyle/>
-          <a:p>
-            <a:pPr marL="12700">
-              <a:lnSpc>
-                <a:spcPct val="100000"/>
-              </a:lnSpc>
-              <a:spcBef>
-                <a:spcPts val="100"/>
-              </a:spcBef>
-            </a:pPr>
-            <a:r>
-              <a:rPr sz="1800" dirty="0">
-                <a:solidFill>
-                  <a:srgbClr val="00576F"/>
-                </a:solidFill>
-                <a:latin typeface="+mj-lt"/>
-                <a:cs typeface="Calibri"/>
-              </a:rPr>
-              <a:t>Renesas</a:t>
-            </a:r>
-            <a:r>
-              <a:rPr sz="1800" spc="-45" dirty="0">
-                <a:solidFill>
-                  <a:srgbClr val="00576F"/>
-                </a:solidFill>
-                <a:latin typeface="+mj-lt"/>
-                <a:cs typeface="Calibri"/>
-              </a:rPr>
-              <a:t> </a:t>
-            </a:r>
-            <a:r>
-              <a:rPr sz="1800" dirty="0">
-                <a:solidFill>
-                  <a:srgbClr val="00576F"/>
-                </a:solidFill>
-                <a:latin typeface="+mj-lt"/>
-                <a:cs typeface="Calibri"/>
-              </a:rPr>
-              <a:t>8A34001</a:t>
-            </a:r>
-            <a:r>
-              <a:rPr sz="1800" spc="-90" dirty="0">
-                <a:solidFill>
-                  <a:srgbClr val="00576F"/>
-                </a:solidFill>
-                <a:latin typeface="+mj-lt"/>
-                <a:cs typeface="Calibri"/>
-              </a:rPr>
-              <a:t> </a:t>
-            </a:r>
-            <a:r>
-              <a:rPr sz="1800" spc="-10" dirty="0">
-                <a:solidFill>
-                  <a:srgbClr val="00576F"/>
-                </a:solidFill>
-                <a:latin typeface="+mj-lt"/>
-                <a:cs typeface="Calibri"/>
-              </a:rPr>
-              <a:t>Diagrams</a:t>
-            </a:r>
-            <a:endParaRPr sz="1800" dirty="0">
-              <a:latin typeface="+mj-lt"/>
-              <a:cs typeface="Calibri"/>
-            </a:endParaRPr>
-          </a:p>
-        </p:txBody>
-      </p:sp>
       <p:pic>
         <p:nvPicPr>
           <p:cNvPr id="7" name="Рисунок 6">
@@ -8727,14 +8645,14 @@
               </a:spcBef>
             </a:pPr>
             <a:r>
-              <a:rPr sz="1600" dirty="0">
-                <a:solidFill>
-                  <a:srgbClr val="00576F"/>
-                </a:solidFill>
-                <a:latin typeface="+mj-lt"/>
-                <a:cs typeface="Calibri"/>
-              </a:rPr>
-              <a:t>Renesas</a:t>
+              <a:rPr sz="1600" dirty="0" err="1">
+                <a:solidFill>
+                  <a:srgbClr val="00576F"/>
+                </a:solidFill>
+                <a:latin typeface="+mj-lt"/>
+                <a:cs typeface="Calibri"/>
+              </a:rPr>
+              <a:t>Reness</a:t>
             </a:r>
             <a:r>
               <a:rPr sz="1600" spc="-35" dirty="0">
@@ -9770,92 +9688,6 @@
           </a:prstGeom>
         </p:spPr>
       </p:pic>
-      <p:sp>
-        <p:nvSpPr>
-          <p:cNvPr id="5" name="object 5"/>
-          <p:cNvSpPr txBox="1"/>
-          <p:nvPr/>
-        </p:nvSpPr>
-        <p:spPr>
-          <a:xfrm>
-            <a:off x="5486400" y="3867150"/>
-            <a:ext cx="2580005" cy="300355"/>
-          </a:xfrm>
-          <a:prstGeom prst="rect">
-            <a:avLst/>
-          </a:prstGeom>
-        </p:spPr>
-        <p:txBody>
-          <a:bodyPr vert="horz" wrap="square" lIns="0" tIns="12700" rIns="0" bIns="0" rtlCol="0">
-            <a:spAutoFit/>
-          </a:bodyPr>
-          <a:lstStyle/>
-          <a:p>
-            <a:pPr marL="12700">
-              <a:lnSpc>
-                <a:spcPct val="100000"/>
-              </a:lnSpc>
-              <a:spcBef>
-                <a:spcPts val="100"/>
-              </a:spcBef>
-            </a:pPr>
-            <a:r>
-              <a:rPr dirty="0">
-                <a:solidFill>
-                  <a:srgbClr val="00576F"/>
-                </a:solidFill>
-                <a:latin typeface="+mj-lt"/>
-                <a:cs typeface="Calibri"/>
-              </a:rPr>
-              <a:t>Renesas</a:t>
-            </a:r>
-            <a:r>
-              <a:rPr spc="-45" dirty="0">
-                <a:solidFill>
-                  <a:srgbClr val="00576F"/>
-                </a:solidFill>
-                <a:latin typeface="+mj-lt"/>
-                <a:cs typeface="Calibri"/>
-              </a:rPr>
-              <a:t> </a:t>
-            </a:r>
-            <a:r>
-              <a:rPr dirty="0">
-                <a:solidFill>
-                  <a:srgbClr val="00576F"/>
-                </a:solidFill>
-                <a:latin typeface="+mj-lt"/>
-                <a:cs typeface="Calibri"/>
-              </a:rPr>
-              <a:t>8A34001</a:t>
-            </a:r>
-            <a:r>
-              <a:rPr spc="-90" dirty="0">
-                <a:solidFill>
-                  <a:srgbClr val="00576F"/>
-                </a:solidFill>
-                <a:latin typeface="+mj-lt"/>
-                <a:cs typeface="Calibri"/>
-              </a:rPr>
-              <a:t> </a:t>
-            </a:r>
-            <a:r>
-              <a:rPr spc="-10" dirty="0">
-                <a:solidFill>
-                  <a:srgbClr val="00576F"/>
-                </a:solidFill>
-                <a:latin typeface="+mj-lt"/>
-                <a:cs typeface="Calibri"/>
-              </a:rPr>
-              <a:t>Diagrams</a:t>
-            </a:r>
-            <a:endParaRPr dirty="0">
-              <a:latin typeface="+mj-lt"/>
-              <a:cs typeface="Calibri"/>
-            </a:endParaRPr>
-          </a:p>
-        </p:txBody>
-      </p:sp>
       <p:pic>
         <p:nvPicPr>
           <p:cNvPr id="6" name="Рисунок 5">
@@ -10811,92 +10643,6 @@
             </a:r>
             <a:endParaRPr sz="1400" dirty="0">
               <a:latin typeface="+mj-lt"/>
-              <a:cs typeface="Calibri"/>
-            </a:endParaRPr>
-          </a:p>
-        </p:txBody>
-      </p:sp>
-      <p:sp>
-        <p:nvSpPr>
-          <p:cNvPr id="4" name="object 4"/>
-          <p:cNvSpPr txBox="1"/>
-          <p:nvPr/>
-        </p:nvSpPr>
-        <p:spPr>
-          <a:xfrm>
-            <a:off x="5456301" y="4208145"/>
-            <a:ext cx="2580005" cy="300355"/>
-          </a:xfrm>
-          <a:prstGeom prst="rect">
-            <a:avLst/>
-          </a:prstGeom>
-        </p:spPr>
-        <p:txBody>
-          <a:bodyPr vert="horz" wrap="square" lIns="0" tIns="12700" rIns="0" bIns="0" rtlCol="0">
-            <a:spAutoFit/>
-          </a:bodyPr>
-          <a:lstStyle/>
-          <a:p>
-            <a:pPr marL="12700">
-              <a:lnSpc>
-                <a:spcPct val="100000"/>
-              </a:lnSpc>
-              <a:spcBef>
-                <a:spcPts val="100"/>
-              </a:spcBef>
-            </a:pPr>
-            <a:r>
-              <a:rPr sz="1800" dirty="0">
-                <a:solidFill>
-                  <a:srgbClr val="00576F"/>
-                </a:solidFill>
-                <a:latin typeface="Calibri"/>
-                <a:cs typeface="Calibri"/>
-              </a:rPr>
-              <a:t>Renesas</a:t>
-            </a:r>
-            <a:r>
-              <a:rPr sz="1800" spc="-45" dirty="0">
-                <a:solidFill>
-                  <a:srgbClr val="00576F"/>
-                </a:solidFill>
-                <a:latin typeface="Calibri"/>
-                <a:cs typeface="Calibri"/>
-              </a:rPr>
-              <a:t> </a:t>
-            </a:r>
-            <a:r>
-              <a:rPr sz="1800" dirty="0">
-                <a:solidFill>
-                  <a:srgbClr val="00576F"/>
-                </a:solidFill>
-                <a:latin typeface="Calibri"/>
-                <a:cs typeface="Calibri"/>
-              </a:rPr>
-              <a:t>8A34001</a:t>
-            </a:r>
-            <a:r>
-              <a:rPr sz="1800" spc="-90" dirty="0">
-                <a:solidFill>
-                  <a:srgbClr val="00576F"/>
-                </a:solidFill>
-                <a:latin typeface="Calibri"/>
-                <a:cs typeface="Calibri"/>
-              </a:rPr>
-              <a:t> </a:t>
-            </a:r>
-            <a:r>
-              <a:rPr sz="1800" spc="-10" dirty="0">
-                <a:solidFill>
-                  <a:srgbClr val="00576F"/>
-                </a:solidFill>
-                <a:latin typeface="Calibri"/>
-                <a:cs typeface="Calibri"/>
-              </a:rPr>
-              <a:t>Diagrams</a:t>
-            </a:r>
-            <a:endParaRPr sz="1800" dirty="0">
-              <a:latin typeface="Calibri"/>
               <a:cs typeface="Calibri"/>
             </a:endParaRPr>
           </a:p>

--- a/ДОКУМЕНТЫ/МАТЕРИАЛ СТАТЬИ/Quantum TWTT.pptx
+++ b/ДОКУМЕНТЫ/МАТЕРИАЛ СТАТЬИ/Quantum TWTT.pptx
@@ -282,7 +282,7 @@
           <a:p>
             <a:fld id="{1D8BD707-D9CF-40AE-B4C6-C98DA3205C09}" type="datetimeFigureOut">
               <a:rPr lang="en-US" smtClean="0"/>
-              <a:t>7/28/2025</a:t>
+              <a:t>7/31/2025</a:t>
             </a:fld>
             <a:endParaRPr lang="en-US"/>
           </a:p>
@@ -480,7 +480,7 @@
           <a:p>
             <a:fld id="{1D8BD707-D9CF-40AE-B4C6-C98DA3205C09}" type="datetimeFigureOut">
               <a:rPr lang="en-US" smtClean="0"/>
-              <a:t>7/28/2025</a:t>
+              <a:t>7/31/2025</a:t>
             </a:fld>
             <a:endParaRPr lang="en-US"/>
           </a:p>
@@ -688,7 +688,7 @@
           <a:p>
             <a:fld id="{1D8BD707-D9CF-40AE-B4C6-C98DA3205C09}" type="datetimeFigureOut">
               <a:rPr lang="en-US" smtClean="0"/>
-              <a:t>7/28/2025</a:t>
+              <a:t>7/31/2025</a:t>
             </a:fld>
             <a:endParaRPr lang="en-US"/>
           </a:p>
@@ -886,7 +886,7 @@
           <a:p>
             <a:fld id="{1D8BD707-D9CF-40AE-B4C6-C98DA3205C09}" type="datetimeFigureOut">
               <a:rPr lang="en-US" smtClean="0"/>
-              <a:t>7/28/2025</a:t>
+              <a:t>7/31/2025</a:t>
             </a:fld>
             <a:endParaRPr lang="en-US"/>
           </a:p>
@@ -1161,7 +1161,7 @@
           <a:p>
             <a:fld id="{1D8BD707-D9CF-40AE-B4C6-C98DA3205C09}" type="datetimeFigureOut">
               <a:rPr lang="en-US" smtClean="0"/>
-              <a:t>7/28/2025</a:t>
+              <a:t>7/31/2025</a:t>
             </a:fld>
             <a:endParaRPr lang="en-US"/>
           </a:p>
@@ -1426,7 +1426,7 @@
           <a:p>
             <a:fld id="{1D8BD707-D9CF-40AE-B4C6-C98DA3205C09}" type="datetimeFigureOut">
               <a:rPr lang="en-US" smtClean="0"/>
-              <a:t>7/28/2025</a:t>
+              <a:t>7/31/2025</a:t>
             </a:fld>
             <a:endParaRPr lang="en-US"/>
           </a:p>
@@ -1838,7 +1838,7 @@
           <a:p>
             <a:fld id="{1D8BD707-D9CF-40AE-B4C6-C98DA3205C09}" type="datetimeFigureOut">
               <a:rPr lang="en-US" smtClean="0"/>
-              <a:t>7/28/2025</a:t>
+              <a:t>7/31/2025</a:t>
             </a:fld>
             <a:endParaRPr lang="en-US"/>
           </a:p>
@@ -1979,7 +1979,7 @@
           <a:p>
             <a:fld id="{1D8BD707-D9CF-40AE-B4C6-C98DA3205C09}" type="datetimeFigureOut">
               <a:rPr lang="en-US" smtClean="0"/>
-              <a:t>7/28/2025</a:t>
+              <a:t>7/31/2025</a:t>
             </a:fld>
             <a:endParaRPr lang="en-US"/>
           </a:p>
@@ -2092,7 +2092,7 @@
           <a:p>
             <a:fld id="{1D8BD707-D9CF-40AE-B4C6-C98DA3205C09}" type="datetimeFigureOut">
               <a:rPr lang="en-US" smtClean="0"/>
-              <a:t>7/28/2025</a:t>
+              <a:t>7/31/2025</a:t>
             </a:fld>
             <a:endParaRPr lang="en-US"/>
           </a:p>
@@ -2403,7 +2403,7 @@
           <a:p>
             <a:fld id="{1D8BD707-D9CF-40AE-B4C6-C98DA3205C09}" type="datetimeFigureOut">
               <a:rPr lang="en-US" smtClean="0"/>
-              <a:t>7/28/2025</a:t>
+              <a:t>7/31/2025</a:t>
             </a:fld>
             <a:endParaRPr lang="en-US"/>
           </a:p>
@@ -2691,7 +2691,7 @@
           <a:p>
             <a:fld id="{1D8BD707-D9CF-40AE-B4C6-C98DA3205C09}" type="datetimeFigureOut">
               <a:rPr lang="en-US" smtClean="0"/>
-              <a:t>7/28/2025</a:t>
+              <a:t>7/31/2025</a:t>
             </a:fld>
             <a:endParaRPr lang="en-US"/>
           </a:p>
@@ -2932,7 +2932,7 @@
           <a:p>
             <a:fld id="{1D8BD707-D9CF-40AE-B4C6-C98DA3205C09}" type="datetimeFigureOut">
               <a:rPr lang="en-US" smtClean="0"/>
-              <a:t>7/28/2025</a:t>
+              <a:t>7/31/2025</a:t>
             </a:fld>
             <a:endParaRPr lang="en-US"/>
           </a:p>
@@ -6856,7 +6856,7 @@
         </p:nvSpPr>
         <p:spPr>
           <a:xfrm>
-            <a:off x="310832" y="78425"/>
+            <a:off x="762000" y="155090"/>
             <a:ext cx="7461568" cy="524503"/>
           </a:xfrm>
           <a:prstGeom prst="rect">
